--- a/jump music 리서치.pptx
+++ b/jump music 리서치.pptx
@@ -6318,7 +6318,7 @@
       </p:grpSpPr>
       <p:sp>
         <p:nvSpPr>
-          <p:cNvPr id="22532" name="Shape"/>
+          <p:cNvPr id="22530" name="Shape"/>
           <p:cNvSpPr/>
           <p:nvPr>
             <p:ph type="title"/>
@@ -6342,11 +6342,7 @@
           <a:bodyPr lIns="91440" tIns="45720" rIns="91440" bIns="45720" vert="horz" numCol="1" spcCol="0">
             <a:normAutofit/>
           </a:bodyPr>
-          <a:lstStyle>
-            <a:lvl1pPr>
-              <a:defRPr lang="ko-KR" altLang="en-US" smtClean="0"/>
-            </a:lvl1pPr>
-          </a:lstStyle>
+          <a:lstStyle/>
           <a:p>
             <a:pPr/>
             <a:endParaRPr lang="ko-KR" altLang="en-US" smtClean="0"/>
@@ -6355,7 +6351,7 @@
       </p:sp>
       <p:sp>
         <p:nvSpPr>
-          <p:cNvPr id="22533" name="Shape"/>
+          <p:cNvPr id="22531" name="Shape"/>
           <p:cNvSpPr/>
           <p:nvPr>
             <p:ph idx="1"/>
@@ -6379,41 +6375,35 @@
           <a:bodyPr lIns="91440" tIns="45720" rIns="91440" bIns="45720" vert="horz" numCol="1" spcCol="0">
             <a:normAutofit/>
           </a:bodyPr>
-          <a:lstStyle>
-            <a:lvl1pPr>
-              <a:defRPr lang="ko-KR" altLang="en-US" smtClean="0"/>
-            </a:lvl1pPr>
-            <a:lvl2pPr lvl="1">
-              <a:defRPr lang="ko-KR" altLang="en-US" smtClean="0"/>
-            </a:lvl2pPr>
-            <a:lvl3pPr lvl="2">
-              <a:defRPr lang="ko-KR" altLang="en-US" smtClean="0"/>
-            </a:lvl3pPr>
-            <a:lvl4pPr lvl="3">
-              <a:defRPr lang="ko-KR" altLang="en-US" smtClean="0"/>
-            </a:lvl4pPr>
-            <a:lvl5pPr lvl="4">
-              <a:defRPr lang="ko-KR" altLang="en-US" smtClean="0"/>
-            </a:lvl5pPr>
-            <a:lvl6pPr lvl="5">
-              <a:defRPr lang="ko-KR" altLang="en-US" smtClean="0"/>
-            </a:lvl6pPr>
-            <a:lvl7pPr lvl="6">
-              <a:defRPr lang="ko-KR" altLang="en-US" smtClean="0"/>
-            </a:lvl7pPr>
-            <a:lvl8pPr lvl="7">
-              <a:defRPr lang="ko-KR" altLang="en-US" smtClean="0"/>
-            </a:lvl8pPr>
-            <a:lvl9pPr lvl="8">
-              <a:defRPr lang="ko-KR" altLang="en-US" smtClean="0"/>
-            </a:lvl9pPr>
-          </a:lstStyle>
+          <a:lstStyle/>
           <a:p>
             <a:pPr/>
             <a:endParaRPr lang="ko-KR" altLang="en-US" smtClean="0"/>
           </a:p>
         </p:txBody>
       </p:sp>
+      <p:pic>
+        <p:nvPicPr>
+          <p:cNvPr id="22533" name="Picture"/>
+          <p:cNvPicPr/>
+          <p:nvPr/>
+        </p:nvPicPr>
+        <p:blipFill>
+          <a:blip r:embed="rId2"/>
+          <a:stretch>
+            <a:fillRect/>
+          </a:stretch>
+        </p:blipFill>
+        <p:spPr>
+          <a:xfrm>
+            <a:off x="0" y="0"/>
+            <a:ext cx="9144000" cy="6858000"/>
+          </a:xfrm>
+          <a:prstGeom prst="rect">
+            <a:avLst/>
+          </a:prstGeom>
+        </p:spPr>
+      </p:pic>
       <p:pic>
         <p:nvPicPr>
           <p:cNvPr id="22534" name="Picture"/>
@@ -6421,7 +6411,7 @@
           <p:nvPr/>
         </p:nvPicPr>
         <p:blipFill>
-          <a:blip r:embed="rId2"/>
+          <a:blip r:embed="rId3"/>
           <a:stretch>
             <a:fillRect/>
           </a:stretch>
